--- a/Presentation.pptx
+++ b/Presentation.pptx
@@ -227,7 +227,7 @@
           <a:p>
             <a:fld id="{A70AE70C-D509-4E4B-9352-79C3D11520D1}" type="datetimeFigureOut">
               <a:rPr lang="de-DE" smtClean="0"/>
-              <a:t>06.12.2022</a:t>
+              <a:t>08.12.2022</a:t>
             </a:fld>
             <a:endParaRPr lang="de-DE"/>
           </a:p>
@@ -405,7 +405,7 @@
           <a:p>
             <a:fld id="{B77602DA-7CEE-4298-AF4B-1C87D65BAB06}" type="datetimeFigureOut">
               <a:rPr lang="de-CH" smtClean="0"/>
-              <a:t>06.12.2022</a:t>
+              <a:t>08.12.2022</a:t>
             </a:fld>
             <a:endParaRPr lang="de-CH" dirty="0"/>
           </a:p>
@@ -9946,7 +9946,15 @@
           <a:p>
             <a:r>
               <a:rPr lang="de-DE" dirty="0"/>
-              <a:t>Project: Depression Classification</a:t>
+              <a:t>Project: Mental Health </a:t>
+            </a:r>
+            <a:r>
+              <a:rPr lang="de-DE" dirty="0" err="1"/>
+              <a:t>Issue</a:t>
+            </a:r>
+            <a:r>
+              <a:rPr lang="de-DE" dirty="0"/>
+              <a:t> Classification</a:t>
             </a:r>
           </a:p>
         </p:txBody>
@@ -10035,35 +10043,7 @@
           <a:p>
             <a:r>
               <a:rPr lang="de-CH" dirty="0"/>
-              <a:t>PLACEHOLDER</a:t>
-            </a:r>
-          </a:p>
-        </p:txBody>
-      </p:sp>
-      <p:sp>
-        <p:nvSpPr>
-          <p:cNvPr id="3" name="Textplatzhalter 2">
-            <a:extLst>
-              <a:ext uri="{FF2B5EF4-FFF2-40B4-BE49-F238E27FC236}">
-                <a16:creationId xmlns:a16="http://schemas.microsoft.com/office/drawing/2014/main" id="{C4C86C53-5EE5-DCB5-8A78-302EB659685E}"/>
-              </a:ext>
-            </a:extLst>
-          </p:cNvPr>
-          <p:cNvSpPr>
-            <a:spLocks noGrp="1"/>
-          </p:cNvSpPr>
-          <p:nvPr>
-            <p:ph type="body" sz="quarter" idx="16"/>
-          </p:nvPr>
-        </p:nvSpPr>
-        <p:spPr/>
-        <p:txBody>
-          <a:bodyPr/>
-          <a:lstStyle/>
-          <a:p>
-            <a:r>
-              <a:rPr lang="de-CH" dirty="0"/>
-              <a:t>PLACEHOLDER</a:t>
+              <a:t>Model and Results</a:t>
             </a:r>
           </a:p>
         </p:txBody>
@@ -10084,14 +10064,107 @@
             <p:ph type="body" sz="quarter" idx="17"/>
           </p:nvPr>
         </p:nvSpPr>
-        <p:spPr/>
+        <p:spPr>
+          <a:xfrm>
+            <a:off x="540000" y="2283718"/>
+            <a:ext cx="7632400" cy="2486282"/>
+          </a:xfrm>
+        </p:spPr>
         <p:txBody>
           <a:bodyPr/>
           <a:lstStyle/>
           <a:p>
+            <a:pPr marL="285750" indent="-285750">
+              <a:lnSpc>
+                <a:spcPct val="150000"/>
+              </a:lnSpc>
+              <a:buFont typeface="Arial" panose="020B0604020202020204" pitchFamily="34" charset="0"/>
+              <a:buChar char="•"/>
+            </a:pPr>
+            <a:r>
+              <a:rPr lang="de-CH" dirty="0" err="1"/>
+              <a:t>We</a:t>
+            </a:r>
             <a:r>
               <a:rPr lang="de-CH" dirty="0"/>
-              <a:t>PLACEHOLDER</a:t>
+              <a:t> used a </a:t>
+            </a:r>
+            <a:r>
+              <a:rPr lang="de-CH" dirty="0" err="1"/>
+              <a:t>pre-trained</a:t>
+            </a:r>
+            <a:r>
+              <a:rPr lang="de-CH" dirty="0"/>
+              <a:t> BERT </a:t>
+            </a:r>
+            <a:r>
+              <a:rPr lang="de-CH" dirty="0" err="1"/>
+              <a:t>model</a:t>
+            </a:r>
+            <a:r>
+              <a:rPr lang="de-CH" dirty="0"/>
+              <a:t> </a:t>
+            </a:r>
+            <a:r>
+              <a:rPr lang="de-CH" dirty="0" err="1"/>
+              <a:t>from</a:t>
+            </a:r>
+            <a:r>
+              <a:rPr lang="de-CH" dirty="0"/>
+              <a:t> </a:t>
+            </a:r>
+            <a:r>
+              <a:rPr lang="de-CH" dirty="0" err="1"/>
+              <a:t>huggingface</a:t>
+            </a:r>
+            <a:r>
+              <a:rPr lang="de-CH" dirty="0"/>
+              <a:t> (</a:t>
+            </a:r>
+            <a:r>
+              <a:rPr lang="de-CH" dirty="0" err="1"/>
+              <a:t>pip</a:t>
+            </a:r>
+            <a:r>
+              <a:rPr lang="de-CH" dirty="0"/>
+              <a:t> </a:t>
+            </a:r>
+            <a:r>
+              <a:rPr lang="de-CH" dirty="0" err="1"/>
+              <a:t>install</a:t>
+            </a:r>
+            <a:r>
+              <a:rPr lang="de-CH" dirty="0"/>
+              <a:t> </a:t>
+            </a:r>
+            <a:r>
+              <a:rPr lang="de-CH" dirty="0" err="1"/>
+              <a:t>transformers</a:t>
+            </a:r>
+            <a:r>
+              <a:rPr lang="de-CH" dirty="0"/>
+              <a:t>)</a:t>
+            </a:r>
+          </a:p>
+          <a:p>
+            <a:pPr marL="285750" indent="-285750">
+              <a:lnSpc>
+                <a:spcPct val="150000"/>
+              </a:lnSpc>
+              <a:buFont typeface="Arial" panose="020B0604020202020204" pitchFamily="34" charset="0"/>
+              <a:buChar char="•"/>
+            </a:pPr>
+            <a:r>
+              <a:rPr lang="de-CH" dirty="0"/>
+              <a:t>Fine-tuning and </a:t>
+            </a:r>
+            <a:r>
+              <a:rPr lang="de-CH" dirty="0" err="1"/>
+              <a:t>evaluation</a:t>
+            </a:r>
+            <a:r>
+              <a:rPr lang="de-CH" dirty="0"/>
+              <a:t> on Ubelix</a:t>
             </a:r>
           </a:p>
         </p:txBody>
@@ -10119,7 +10192,19 @@
           <a:p>
             <a:r>
               <a:rPr lang="de-CH" dirty="0"/>
-              <a:t>NLP and Text Mining – Project: Depression Classification</a:t>
+              <a:t>NLP and Text Mining – </a:t>
+            </a:r>
+            <a:r>
+              <a:rPr lang="de-DE" dirty="0"/>
+              <a:t>Project: Mental Health </a:t>
+            </a:r>
+            <a:r>
+              <a:rPr lang="de-DE" dirty="0" err="1"/>
+              <a:t>Issue</a:t>
+            </a:r>
+            <a:r>
+              <a:rPr lang="de-DE" dirty="0"/>
+              <a:t> Classification</a:t>
             </a:r>
           </a:p>
           <a:p>
@@ -10166,6 +10251,343 @@
           </a:p>
         </p:txBody>
       </p:sp>
+      <p:pic>
+        <p:nvPicPr>
+          <p:cNvPr id="10" name="Grafik 9">
+            <a:extLst>
+              <a:ext uri="{FF2B5EF4-FFF2-40B4-BE49-F238E27FC236}">
+                <a16:creationId xmlns:a16="http://schemas.microsoft.com/office/drawing/2014/main" id="{80268FF8-6C07-BDE0-7E31-DE6E8A596FEF}"/>
+              </a:ext>
+            </a:extLst>
+          </p:cNvPr>
+          <p:cNvPicPr>
+            <a:picLocks noChangeAspect="1"/>
+          </p:cNvPicPr>
+          <p:nvPr/>
+        </p:nvPicPr>
+        <p:blipFill>
+          <a:blip r:embed="rId2">
+            <a:extLst>
+              <a:ext uri="{28A0092B-C50C-407E-A947-70E740481C1C}">
+                <a14:useLocalDpi xmlns:a14="http://schemas.microsoft.com/office/drawing/2010/main" val="0"/>
+              </a:ext>
+            </a:extLst>
+          </a:blip>
+          <a:stretch>
+            <a:fillRect/>
+          </a:stretch>
+        </p:blipFill>
+        <p:spPr>
+          <a:xfrm>
+            <a:off x="755576" y="1659600"/>
+            <a:ext cx="4833072" cy="3339884"/>
+          </a:xfrm>
+          <a:prstGeom prst="rect">
+            <a:avLst/>
+          </a:prstGeom>
+        </p:spPr>
+      </p:pic>
+      <p:pic>
+        <p:nvPicPr>
+          <p:cNvPr id="12" name="Grafik 11">
+            <a:extLst>
+              <a:ext uri="{FF2B5EF4-FFF2-40B4-BE49-F238E27FC236}">
+                <a16:creationId xmlns:a16="http://schemas.microsoft.com/office/drawing/2014/main" id="{94E7F267-F21A-11E1-ACD5-4D89E225BF18}"/>
+              </a:ext>
+            </a:extLst>
+          </p:cNvPr>
+          <p:cNvPicPr>
+            <a:picLocks noChangeAspect="1"/>
+          </p:cNvPicPr>
+          <p:nvPr/>
+        </p:nvPicPr>
+        <p:blipFill>
+          <a:blip r:embed="rId3"/>
+          <a:stretch>
+            <a:fillRect/>
+          </a:stretch>
+        </p:blipFill>
+        <p:spPr>
+          <a:xfrm>
+            <a:off x="5588648" y="1914345"/>
+            <a:ext cx="3421954" cy="1488942"/>
+          </a:xfrm>
+          <a:prstGeom prst="rect">
+            <a:avLst/>
+          </a:prstGeom>
+        </p:spPr>
+      </p:pic>
+      <p:sp>
+        <p:nvSpPr>
+          <p:cNvPr id="13" name="Textplatzhalter 3">
+            <a:extLst>
+              <a:ext uri="{FF2B5EF4-FFF2-40B4-BE49-F238E27FC236}">
+                <a16:creationId xmlns:a16="http://schemas.microsoft.com/office/drawing/2014/main" id="{783D739D-86F4-80DB-671F-8B6CFAB32329}"/>
+              </a:ext>
+            </a:extLst>
+          </p:cNvPr>
+          <p:cNvSpPr txBox="1">
+            <a:spLocks/>
+          </p:cNvSpPr>
+          <p:nvPr/>
+        </p:nvSpPr>
+        <p:spPr>
+          <a:xfrm>
+            <a:off x="5749766" y="3658032"/>
+            <a:ext cx="3358482" cy="1001950"/>
+          </a:xfrm>
+          <a:prstGeom prst="rect">
+            <a:avLst/>
+          </a:prstGeom>
+        </p:spPr>
+        <p:txBody>
+          <a:bodyPr lIns="0" tIns="0" rIns="0" bIns="0"/>
+          <a:lstStyle>
+            <a:lvl1pPr marL="0" indent="0" algn="l" defTabSz="914377" rtl="0" eaLnBrk="1" latinLnBrk="0" hangingPunct="1">
+              <a:lnSpc>
+                <a:spcPts val="2000"/>
+              </a:lnSpc>
+              <a:spcBef>
+                <a:spcPts val="0"/>
+              </a:spcBef>
+              <a:buFont typeface="Arial" panose="020B0604020202020204" pitchFamily="34" charset="0"/>
+              <a:buNone/>
+              <a:defRPr sz="1600" b="0" kern="1200">
+                <a:solidFill>
+                  <a:schemeClr val="tx1"/>
+                </a:solidFill>
+                <a:latin typeface="Arial" panose="020B0604020202020204" pitchFamily="34" charset="0"/>
+                <a:ea typeface="+mn-ea"/>
+                <a:cs typeface="Arial" panose="020B0604020202020204" pitchFamily="34" charset="0"/>
+              </a:defRPr>
+            </a:lvl1pPr>
+            <a:lvl2pPr marL="685783" indent="-228594" algn="l" defTabSz="914377" rtl="0" eaLnBrk="1" latinLnBrk="0" hangingPunct="1">
+              <a:lnSpc>
+                <a:spcPct val="90000"/>
+              </a:lnSpc>
+              <a:spcBef>
+                <a:spcPts val="500"/>
+              </a:spcBef>
+              <a:buFont typeface="Arial" panose="020B0604020202020204" pitchFamily="34" charset="0"/>
+              <a:buChar char="•"/>
+              <a:defRPr sz="2400" kern="1200">
+                <a:solidFill>
+                  <a:schemeClr val="tx1"/>
+                </a:solidFill>
+                <a:latin typeface="+mn-lt"/>
+                <a:ea typeface="+mn-ea"/>
+                <a:cs typeface="+mn-cs"/>
+              </a:defRPr>
+            </a:lvl2pPr>
+            <a:lvl3pPr marL="1142971" indent="-228594" algn="l" defTabSz="914377" rtl="0" eaLnBrk="1" latinLnBrk="0" hangingPunct="1">
+              <a:lnSpc>
+                <a:spcPct val="90000"/>
+              </a:lnSpc>
+              <a:spcBef>
+                <a:spcPts val="500"/>
+              </a:spcBef>
+              <a:buFont typeface="Arial" panose="020B0604020202020204" pitchFamily="34" charset="0"/>
+              <a:buChar char="•"/>
+              <a:defRPr sz="2000" kern="1200">
+                <a:solidFill>
+                  <a:schemeClr val="tx1"/>
+                </a:solidFill>
+                <a:latin typeface="+mn-lt"/>
+                <a:ea typeface="+mn-ea"/>
+                <a:cs typeface="+mn-cs"/>
+              </a:defRPr>
+            </a:lvl3pPr>
+            <a:lvl4pPr marL="1600160" indent="-228594" algn="l" defTabSz="914377" rtl="0" eaLnBrk="1" latinLnBrk="0" hangingPunct="1">
+              <a:lnSpc>
+                <a:spcPct val="90000"/>
+              </a:lnSpc>
+              <a:spcBef>
+                <a:spcPts val="500"/>
+              </a:spcBef>
+              <a:buFont typeface="Arial" panose="020B0604020202020204" pitchFamily="34" charset="0"/>
+              <a:buChar char="•"/>
+              <a:defRPr sz="1800" kern="1200">
+                <a:solidFill>
+                  <a:schemeClr val="tx1"/>
+                </a:solidFill>
+                <a:latin typeface="+mn-lt"/>
+                <a:ea typeface="+mn-ea"/>
+                <a:cs typeface="+mn-cs"/>
+              </a:defRPr>
+            </a:lvl4pPr>
+            <a:lvl5pPr marL="2057349" indent="-228594" algn="l" defTabSz="914377" rtl="0" eaLnBrk="1" latinLnBrk="0" hangingPunct="1">
+              <a:lnSpc>
+                <a:spcPct val="90000"/>
+              </a:lnSpc>
+              <a:spcBef>
+                <a:spcPts val="500"/>
+              </a:spcBef>
+              <a:buFont typeface="Arial" panose="020B0604020202020204" pitchFamily="34" charset="0"/>
+              <a:buChar char="•"/>
+              <a:defRPr sz="1800" kern="1200">
+                <a:solidFill>
+                  <a:schemeClr val="tx1"/>
+                </a:solidFill>
+                <a:latin typeface="+mn-lt"/>
+                <a:ea typeface="+mn-ea"/>
+                <a:cs typeface="+mn-cs"/>
+              </a:defRPr>
+            </a:lvl5pPr>
+            <a:lvl6pPr marL="2514537" indent="-228594" algn="l" defTabSz="914377" rtl="0" eaLnBrk="1" latinLnBrk="0" hangingPunct="1">
+              <a:lnSpc>
+                <a:spcPct val="90000"/>
+              </a:lnSpc>
+              <a:spcBef>
+                <a:spcPts val="500"/>
+              </a:spcBef>
+              <a:buFont typeface="Arial" panose="020B0604020202020204" pitchFamily="34" charset="0"/>
+              <a:buChar char="•"/>
+              <a:defRPr sz="1800" kern="1200">
+                <a:solidFill>
+                  <a:schemeClr val="tx1"/>
+                </a:solidFill>
+                <a:latin typeface="+mn-lt"/>
+                <a:ea typeface="+mn-ea"/>
+                <a:cs typeface="+mn-cs"/>
+              </a:defRPr>
+            </a:lvl6pPr>
+            <a:lvl7pPr marL="2971726" indent="-228594" algn="l" defTabSz="914377" rtl="0" eaLnBrk="1" latinLnBrk="0" hangingPunct="1">
+              <a:lnSpc>
+                <a:spcPct val="90000"/>
+              </a:lnSpc>
+              <a:spcBef>
+                <a:spcPts val="500"/>
+              </a:spcBef>
+              <a:buFont typeface="Arial" panose="020B0604020202020204" pitchFamily="34" charset="0"/>
+              <a:buChar char="•"/>
+              <a:defRPr sz="1800" kern="1200">
+                <a:solidFill>
+                  <a:schemeClr val="tx1"/>
+                </a:solidFill>
+                <a:latin typeface="+mn-lt"/>
+                <a:ea typeface="+mn-ea"/>
+                <a:cs typeface="+mn-cs"/>
+              </a:defRPr>
+            </a:lvl7pPr>
+            <a:lvl8pPr marL="3428914" indent="-228594" algn="l" defTabSz="914377" rtl="0" eaLnBrk="1" latinLnBrk="0" hangingPunct="1">
+              <a:lnSpc>
+                <a:spcPct val="90000"/>
+              </a:lnSpc>
+              <a:spcBef>
+                <a:spcPts val="500"/>
+              </a:spcBef>
+              <a:buFont typeface="Arial" panose="020B0604020202020204" pitchFamily="34" charset="0"/>
+              <a:buChar char="•"/>
+              <a:defRPr sz="1800" kern="1200">
+                <a:solidFill>
+                  <a:schemeClr val="tx1"/>
+                </a:solidFill>
+                <a:latin typeface="+mn-lt"/>
+                <a:ea typeface="+mn-ea"/>
+                <a:cs typeface="+mn-cs"/>
+              </a:defRPr>
+            </a:lvl8pPr>
+            <a:lvl9pPr marL="3886103" indent="-228594" algn="l" defTabSz="914377" rtl="0" eaLnBrk="1" latinLnBrk="0" hangingPunct="1">
+              <a:lnSpc>
+                <a:spcPct val="90000"/>
+              </a:lnSpc>
+              <a:spcBef>
+                <a:spcPts val="500"/>
+              </a:spcBef>
+              <a:buFont typeface="Arial" panose="020B0604020202020204" pitchFamily="34" charset="0"/>
+              <a:buChar char="•"/>
+              <a:defRPr sz="1800" kern="1200">
+                <a:solidFill>
+                  <a:schemeClr val="tx1"/>
+                </a:solidFill>
+                <a:latin typeface="+mn-lt"/>
+                <a:ea typeface="+mn-ea"/>
+                <a:cs typeface="+mn-cs"/>
+              </a:defRPr>
+            </a:lvl9pPr>
+          </a:lstStyle>
+          <a:p>
+            <a:pPr>
+              <a:lnSpc>
+                <a:spcPct val="100000"/>
+              </a:lnSpc>
+            </a:pPr>
+            <a:r>
+              <a:rPr lang="de-CH" dirty="0" err="1"/>
+              <a:t>Improvement</a:t>
+            </a:r>
+            <a:r>
+              <a:rPr lang="de-CH" dirty="0"/>
+              <a:t> </a:t>
+            </a:r>
+            <a:r>
+              <a:rPr lang="de-CH" dirty="0" err="1"/>
+              <a:t>of</a:t>
+            </a:r>
+            <a:r>
+              <a:rPr lang="de-CH" dirty="0"/>
+              <a:t> 3.0% in </a:t>
+            </a:r>
+            <a:r>
+              <a:rPr lang="de-CH" dirty="0" err="1"/>
+              <a:t>accuracy</a:t>
+            </a:r>
+            <a:r>
+              <a:rPr lang="de-CH" dirty="0"/>
+              <a:t> </a:t>
+            </a:r>
+            <a:r>
+              <a:rPr lang="de-CH" dirty="0" err="1"/>
+              <a:t>compared</a:t>
+            </a:r>
+            <a:r>
+              <a:rPr lang="de-CH" dirty="0"/>
+              <a:t> to Naive-Bayes </a:t>
+            </a:r>
+            <a:r>
+              <a:rPr lang="de-CH" dirty="0" err="1"/>
+              <a:t>classifier</a:t>
+            </a:r>
+            <a:r>
+              <a:rPr lang="de-CH" dirty="0"/>
+              <a:t>,</a:t>
+            </a:r>
+          </a:p>
+          <a:p>
+            <a:pPr>
+              <a:lnSpc>
+                <a:spcPct val="100000"/>
+              </a:lnSpc>
+            </a:pPr>
+            <a:r>
+              <a:rPr lang="de-CH" dirty="0"/>
+              <a:t>but </a:t>
+            </a:r>
+            <a:r>
+              <a:rPr lang="de-CH" dirty="0" err="1"/>
+              <a:t>computationally</a:t>
+            </a:r>
+            <a:r>
+              <a:rPr lang="de-CH" dirty="0"/>
+              <a:t> expensive</a:t>
+            </a:r>
+          </a:p>
+          <a:p>
+            <a:pPr>
+              <a:lnSpc>
+                <a:spcPct val="100000"/>
+              </a:lnSpc>
+            </a:pPr>
+            <a:r>
+              <a:rPr lang="de-CH" dirty="0">
+                <a:sym typeface="Wingdings" panose="05000000000000000000" pitchFamily="2" charset="2"/>
+              </a:rPr>
+              <a:t> Trade-off</a:t>
+            </a:r>
+            <a:endParaRPr lang="de-CH" dirty="0"/>
+          </a:p>
+        </p:txBody>
+      </p:sp>
     </p:spTree>
     <p:extLst>
       <p:ext uri="{BB962C8B-B14F-4D97-AF65-F5344CB8AC3E}">
@@ -10176,6 +10598,249 @@
   <p:clrMapOvr>
     <a:masterClrMapping/>
   </p:clrMapOvr>
+  <p:timing>
+    <p:tnLst>
+      <p:par>
+        <p:cTn id="1" dur="indefinite" restart="never" nodeType="tmRoot">
+          <p:childTnLst>
+            <p:seq concurrent="1" nextAc="seek">
+              <p:cTn id="2" dur="indefinite" nodeType="mainSeq">
+                <p:childTnLst>
+                  <p:par>
+                    <p:cTn id="3" fill="hold">
+                      <p:stCondLst>
+                        <p:cond delay="indefinite"/>
+                      </p:stCondLst>
+                      <p:childTnLst>
+                        <p:par>
+                          <p:cTn id="4" fill="hold">
+                            <p:stCondLst>
+                              <p:cond delay="0"/>
+                            </p:stCondLst>
+                            <p:childTnLst>
+                              <p:par>
+                                <p:cTn id="5" presetID="10" presetClass="entr" presetSubtype="0" fill="hold" nodeType="clickEffect">
+                                  <p:stCondLst>
+                                    <p:cond delay="0"/>
+                                  </p:stCondLst>
+                                  <p:childTnLst>
+                                    <p:set>
+                                      <p:cBhvr>
+                                        <p:cTn id="6" dur="1" fill="hold">
+                                          <p:stCondLst>
+                                            <p:cond delay="0"/>
+                                          </p:stCondLst>
+                                        </p:cTn>
+                                        <p:tgtEl>
+                                          <p:spTgt spid="10"/>
+                                        </p:tgtEl>
+                                        <p:attrNameLst>
+                                          <p:attrName>style.visibility</p:attrName>
+                                        </p:attrNameLst>
+                                      </p:cBhvr>
+                                      <p:to>
+                                        <p:strVal val="visible"/>
+                                      </p:to>
+                                    </p:set>
+                                    <p:animEffect transition="in" filter="fade">
+                                      <p:cBhvr>
+                                        <p:cTn id="7" dur="500"/>
+                                        <p:tgtEl>
+                                          <p:spTgt spid="10"/>
+                                        </p:tgtEl>
+                                      </p:cBhvr>
+                                    </p:animEffect>
+                                  </p:childTnLst>
+                                </p:cTn>
+                              </p:par>
+                              <p:par>
+                                <p:cTn id="8" presetID="10" presetClass="entr" presetSubtype="0" fill="hold" nodeType="withEffect">
+                                  <p:stCondLst>
+                                    <p:cond delay="0"/>
+                                  </p:stCondLst>
+                                  <p:childTnLst>
+                                    <p:set>
+                                      <p:cBhvr>
+                                        <p:cTn id="9" dur="1" fill="hold">
+                                          <p:stCondLst>
+                                            <p:cond delay="0"/>
+                                          </p:stCondLst>
+                                        </p:cTn>
+                                        <p:tgtEl>
+                                          <p:spTgt spid="12"/>
+                                        </p:tgtEl>
+                                        <p:attrNameLst>
+                                          <p:attrName>style.visibility</p:attrName>
+                                        </p:attrNameLst>
+                                      </p:cBhvr>
+                                      <p:to>
+                                        <p:strVal val="visible"/>
+                                      </p:to>
+                                    </p:set>
+                                    <p:animEffect transition="in" filter="fade">
+                                      <p:cBhvr>
+                                        <p:cTn id="10" dur="500"/>
+                                        <p:tgtEl>
+                                          <p:spTgt spid="12"/>
+                                        </p:tgtEl>
+                                      </p:cBhvr>
+                                    </p:animEffect>
+                                  </p:childTnLst>
+                                </p:cTn>
+                              </p:par>
+                              <p:par>
+                                <p:cTn id="11" presetID="10" presetClass="exit" presetSubtype="0" fill="hold" grpId="0" nodeType="withEffect">
+                                  <p:stCondLst>
+                                    <p:cond delay="0"/>
+                                  </p:stCondLst>
+                                  <p:childTnLst>
+                                    <p:animEffect transition="out" filter="fade">
+                                      <p:cBhvr>
+                                        <p:cTn id="12" dur="250"/>
+                                        <p:tgtEl>
+                                          <p:spTgt spid="4">
+                                            <p:txEl>
+                                              <p:pRg st="0" end="0"/>
+                                            </p:txEl>
+                                          </p:spTgt>
+                                        </p:tgtEl>
+                                      </p:cBhvr>
+                                    </p:animEffect>
+                                    <p:set>
+                                      <p:cBhvr>
+                                        <p:cTn id="13" dur="1" fill="hold">
+                                          <p:stCondLst>
+                                            <p:cond delay="249"/>
+                                          </p:stCondLst>
+                                        </p:cTn>
+                                        <p:tgtEl>
+                                          <p:spTgt spid="4">
+                                            <p:txEl>
+                                              <p:pRg st="0" end="0"/>
+                                            </p:txEl>
+                                          </p:spTgt>
+                                        </p:tgtEl>
+                                        <p:attrNameLst>
+                                          <p:attrName>style.visibility</p:attrName>
+                                        </p:attrNameLst>
+                                      </p:cBhvr>
+                                      <p:to>
+                                        <p:strVal val="hidden"/>
+                                      </p:to>
+                                    </p:set>
+                                  </p:childTnLst>
+                                </p:cTn>
+                              </p:par>
+                              <p:par>
+                                <p:cTn id="14" presetID="10" presetClass="exit" presetSubtype="0" fill="hold" grpId="0" nodeType="withEffect">
+                                  <p:stCondLst>
+                                    <p:cond delay="0"/>
+                                  </p:stCondLst>
+                                  <p:childTnLst>
+                                    <p:animEffect transition="out" filter="fade">
+                                      <p:cBhvr>
+                                        <p:cTn id="15" dur="250"/>
+                                        <p:tgtEl>
+                                          <p:spTgt spid="4">
+                                            <p:txEl>
+                                              <p:pRg st="1" end="1"/>
+                                            </p:txEl>
+                                          </p:spTgt>
+                                        </p:tgtEl>
+                                      </p:cBhvr>
+                                    </p:animEffect>
+                                    <p:set>
+                                      <p:cBhvr>
+                                        <p:cTn id="16" dur="1" fill="hold">
+                                          <p:stCondLst>
+                                            <p:cond delay="249"/>
+                                          </p:stCondLst>
+                                        </p:cTn>
+                                        <p:tgtEl>
+                                          <p:spTgt spid="4">
+                                            <p:txEl>
+                                              <p:pRg st="1" end="1"/>
+                                            </p:txEl>
+                                          </p:spTgt>
+                                        </p:tgtEl>
+                                        <p:attrNameLst>
+                                          <p:attrName>style.visibility</p:attrName>
+                                        </p:attrNameLst>
+                                      </p:cBhvr>
+                                      <p:to>
+                                        <p:strVal val="hidden"/>
+                                      </p:to>
+                                    </p:set>
+                                  </p:childTnLst>
+                                </p:cTn>
+                              </p:par>
+                              <p:par>
+                                <p:cTn id="17" presetID="10" presetClass="entr" presetSubtype="0" fill="hold" grpId="0" nodeType="withEffect">
+                                  <p:stCondLst>
+                                    <p:cond delay="0"/>
+                                  </p:stCondLst>
+                                  <p:childTnLst>
+                                    <p:set>
+                                      <p:cBhvr>
+                                        <p:cTn id="18" dur="1" fill="hold">
+                                          <p:stCondLst>
+                                            <p:cond delay="0"/>
+                                          </p:stCondLst>
+                                        </p:cTn>
+                                        <p:tgtEl>
+                                          <p:spTgt spid="13"/>
+                                        </p:tgtEl>
+                                        <p:attrNameLst>
+                                          <p:attrName>style.visibility</p:attrName>
+                                        </p:attrNameLst>
+                                      </p:cBhvr>
+                                      <p:to>
+                                        <p:strVal val="visible"/>
+                                      </p:to>
+                                    </p:set>
+                                    <p:animEffect transition="in" filter="fade">
+                                      <p:cBhvr>
+                                        <p:cTn id="19" dur="500"/>
+                                        <p:tgtEl>
+                                          <p:spTgt spid="13"/>
+                                        </p:tgtEl>
+                                      </p:cBhvr>
+                                    </p:animEffect>
+                                  </p:childTnLst>
+                                </p:cTn>
+                              </p:par>
+                            </p:childTnLst>
+                          </p:cTn>
+                        </p:par>
+                      </p:childTnLst>
+                    </p:cTn>
+                  </p:par>
+                </p:childTnLst>
+              </p:cTn>
+              <p:prevCondLst>
+                <p:cond evt="onPrev" delay="0">
+                  <p:tgtEl>
+                    <p:sldTgt/>
+                  </p:tgtEl>
+                </p:cond>
+              </p:prevCondLst>
+              <p:nextCondLst>
+                <p:cond evt="onNext" delay="0">
+                  <p:tgtEl>
+                    <p:sldTgt/>
+                  </p:tgtEl>
+                </p:cond>
+              </p:nextCondLst>
+            </p:seq>
+          </p:childTnLst>
+        </p:cTn>
+      </p:par>
+    </p:tnLst>
+    <p:bldLst>
+      <p:bldP spid="4" grpId="0" build="p"/>
+      <p:bldP spid="13" grpId="0"/>
+    </p:bldLst>
+  </p:timing>
 </p:sld>
 </file>
 
@@ -10471,7 +11136,15 @@
           <a:p>
             <a:r>
               <a:rPr lang="de-DE" dirty="0"/>
-              <a:t>Project: Depression Classification</a:t>
+              <a:t>Project: Mental Health </a:t>
+            </a:r>
+            <a:r>
+              <a:rPr lang="de-DE" dirty="0" err="1"/>
+              <a:t>Issue</a:t>
+            </a:r>
+            <a:r>
+              <a:rPr lang="de-DE" dirty="0"/>
+              <a:t> Classification</a:t>
             </a:r>
           </a:p>
         </p:txBody>
@@ -10506,10 +11179,9 @@
               <a:t>of</a:t>
             </a:r>
             <a:r>
-              <a:rPr lang="de-CH"/>
+              <a:rPr lang="de-CH" dirty="0"/>
               <a:t> Contents</a:t>
             </a:r>
-            <a:endParaRPr lang="de-CH" dirty="0"/>
           </a:p>
         </p:txBody>
       </p:sp>
@@ -10699,31 +11371,6 @@
       </p:sp>
       <p:sp>
         <p:nvSpPr>
-          <p:cNvPr id="3" name="Textplatzhalter 2">
-            <a:extLst>
-              <a:ext uri="{FF2B5EF4-FFF2-40B4-BE49-F238E27FC236}">
-                <a16:creationId xmlns:a16="http://schemas.microsoft.com/office/drawing/2014/main" id="{1BDA32E7-61AA-0B04-15EF-9A872016931C}"/>
-              </a:ext>
-            </a:extLst>
-          </p:cNvPr>
-          <p:cNvSpPr>
-            <a:spLocks noGrp="1"/>
-          </p:cNvSpPr>
-          <p:nvPr>
-            <p:ph type="body" sz="quarter" idx="16"/>
-          </p:nvPr>
-        </p:nvSpPr>
-        <p:spPr/>
-        <p:txBody>
-          <a:bodyPr/>
-          <a:lstStyle/>
-          <a:p>
-            <a:endParaRPr lang="de-CH"/>
-          </a:p>
-        </p:txBody>
-      </p:sp>
-      <p:sp>
-        <p:nvSpPr>
           <p:cNvPr id="4" name="Textplatzhalter 3">
             <a:extLst>
               <a:ext uri="{FF2B5EF4-FFF2-40B4-BE49-F238E27FC236}">
@@ -10738,12 +11385,229 @@
             <p:ph type="body" sz="quarter" idx="17"/>
           </p:nvPr>
         </p:nvSpPr>
-        <p:spPr/>
+        <p:spPr>
+          <a:xfrm>
+            <a:off x="540000" y="1937082"/>
+            <a:ext cx="8136456" cy="2630298"/>
+          </a:xfrm>
+        </p:spPr>
         <p:txBody>
           <a:bodyPr/>
           <a:lstStyle/>
           <a:p>
+            <a:pPr marL="285750" indent="-285750">
+              <a:buFont typeface="Arial" panose="020B0604020202020204" pitchFamily="34" charset="0"/>
+              <a:buChar char="•"/>
+            </a:pPr>
             <a:endParaRPr lang="de-CH" dirty="0"/>
+          </a:p>
+          <a:p>
+            <a:pPr marL="285750" indent="-285750">
+              <a:lnSpc>
+                <a:spcPct val="150000"/>
+              </a:lnSpc>
+              <a:buFont typeface="Arial" panose="020B0604020202020204" pitchFamily="34" charset="0"/>
+              <a:buChar char="•"/>
+            </a:pPr>
+            <a:r>
+              <a:rPr lang="de-CH" dirty="0"/>
+              <a:t>20’000 </a:t>
+            </a:r>
+            <a:r>
+              <a:rPr lang="de-CH" dirty="0" err="1"/>
+              <a:t>labeled</a:t>
+            </a:r>
+            <a:r>
+              <a:rPr lang="de-CH" dirty="0"/>
+              <a:t> </a:t>
+            </a:r>
+            <a:r>
+              <a:rPr lang="de-CH" dirty="0" err="1"/>
+              <a:t>tweets</a:t>
+            </a:r>
+            <a:r>
+              <a:rPr lang="de-CH" dirty="0"/>
+              <a:t> </a:t>
+            </a:r>
+            <a:r>
+              <a:rPr lang="de-CH" dirty="0" err="1"/>
+              <a:t>from</a:t>
+            </a:r>
+            <a:r>
+              <a:rPr lang="de-CH" dirty="0"/>
+              <a:t> 72 </a:t>
+            </a:r>
+            <a:r>
+              <a:rPr lang="de-CH" dirty="0" err="1"/>
+              <a:t>unique</a:t>
+            </a:r>
+            <a:r>
+              <a:rPr lang="de-CH" dirty="0"/>
+              <a:t> </a:t>
+            </a:r>
+            <a:r>
+              <a:rPr lang="de-CH" dirty="0" err="1"/>
+              <a:t>users</a:t>
+            </a:r>
+            <a:r>
+              <a:rPr lang="de-CH" dirty="0"/>
+              <a:t> (0 </a:t>
+            </a:r>
+            <a:r>
+              <a:rPr lang="de-CH" dirty="0">
+                <a:sym typeface="Wingdings" panose="05000000000000000000" pitchFamily="2" charset="2"/>
+              </a:rPr>
+              <a:t> non-</a:t>
+            </a:r>
+            <a:r>
+              <a:rPr lang="de-CH" dirty="0" err="1">
+                <a:sym typeface="Wingdings" panose="05000000000000000000" pitchFamily="2" charset="2"/>
+              </a:rPr>
+              <a:t>depressed</a:t>
+            </a:r>
+            <a:r>
+              <a:rPr lang="de-CH" dirty="0">
+                <a:sym typeface="Wingdings" panose="05000000000000000000" pitchFamily="2" charset="2"/>
+              </a:rPr>
+              <a:t>, 1  </a:t>
+            </a:r>
+            <a:r>
+              <a:rPr lang="de-CH" dirty="0" err="1">
+                <a:sym typeface="Wingdings" panose="05000000000000000000" pitchFamily="2" charset="2"/>
+              </a:rPr>
+              <a:t>depressed</a:t>
+            </a:r>
+            <a:r>
+              <a:rPr lang="de-CH" dirty="0">
+                <a:sym typeface="Wingdings" panose="05000000000000000000" pitchFamily="2" charset="2"/>
+              </a:rPr>
+              <a:t>)</a:t>
+            </a:r>
+            <a:endParaRPr lang="de-CH" dirty="0"/>
+          </a:p>
+          <a:p>
+            <a:pPr marL="285750" indent="-285750">
+              <a:lnSpc>
+                <a:spcPct val="150000"/>
+              </a:lnSpc>
+              <a:buFont typeface="Arial" panose="020B0604020202020204" pitchFamily="34" charset="0"/>
+              <a:buChar char="•"/>
+            </a:pPr>
+            <a:r>
+              <a:rPr lang="de-CH" dirty="0" err="1"/>
+              <a:t>Balanced</a:t>
+            </a:r>
+            <a:r>
+              <a:rPr lang="de-CH" dirty="0"/>
+              <a:t> </a:t>
+            </a:r>
+            <a:r>
+              <a:rPr lang="de-CH" dirty="0" err="1"/>
+              <a:t>dataset</a:t>
+            </a:r>
+            <a:r>
+              <a:rPr lang="de-CH" dirty="0"/>
+              <a:t>, i.e. 10’000 </a:t>
+            </a:r>
+            <a:r>
+              <a:rPr lang="de-CH" dirty="0" err="1"/>
+              <a:t>tweets</a:t>
+            </a:r>
+            <a:r>
+              <a:rPr lang="de-CH" dirty="0"/>
+              <a:t> </a:t>
+            </a:r>
+            <a:r>
+              <a:rPr lang="de-CH" dirty="0" err="1"/>
+              <a:t>with</a:t>
+            </a:r>
+            <a:r>
+              <a:rPr lang="de-CH" dirty="0"/>
+              <a:t> </a:t>
+            </a:r>
+            <a:r>
+              <a:rPr lang="de-CH" dirty="0" err="1"/>
+              <a:t>each</a:t>
+            </a:r>
+            <a:r>
+              <a:rPr lang="de-CH" dirty="0"/>
+              <a:t> </a:t>
+            </a:r>
+            <a:r>
+              <a:rPr lang="de-CH" dirty="0" err="1"/>
+              <a:t>label</a:t>
+            </a:r>
+            <a:endParaRPr lang="de-CH" dirty="0"/>
+          </a:p>
+          <a:p>
+            <a:pPr marL="285750" indent="-285750">
+              <a:lnSpc>
+                <a:spcPct val="150000"/>
+              </a:lnSpc>
+              <a:buFont typeface="Arial" panose="020B0604020202020204" pitchFamily="34" charset="0"/>
+              <a:buChar char="•"/>
+            </a:pPr>
+            <a:r>
+              <a:rPr lang="de-CH" dirty="0"/>
+              <a:t>All </a:t>
+            </a:r>
+            <a:r>
+              <a:rPr lang="de-CH" dirty="0" err="1"/>
+              <a:t>tweets</a:t>
+            </a:r>
+            <a:r>
+              <a:rPr lang="de-CH" dirty="0"/>
+              <a:t> </a:t>
+            </a:r>
+            <a:r>
+              <a:rPr lang="de-CH" dirty="0" err="1"/>
+              <a:t>are</a:t>
+            </a:r>
+            <a:r>
+              <a:rPr lang="de-CH" dirty="0"/>
+              <a:t> (</a:t>
+            </a:r>
+            <a:r>
+              <a:rPr lang="de-CH" dirty="0" err="1"/>
+              <a:t>more</a:t>
+            </a:r>
+            <a:r>
+              <a:rPr lang="de-CH" dirty="0"/>
+              <a:t> </a:t>
+            </a:r>
+            <a:r>
+              <a:rPr lang="de-CH" dirty="0" err="1"/>
+              <a:t>or</a:t>
+            </a:r>
+            <a:r>
+              <a:rPr lang="de-CH" dirty="0"/>
+              <a:t> </a:t>
+            </a:r>
+            <a:r>
+              <a:rPr lang="de-CH" dirty="0" err="1"/>
+              <a:t>less</a:t>
+            </a:r>
+            <a:r>
+              <a:rPr lang="de-CH" dirty="0"/>
+              <a:t>) in English</a:t>
+            </a:r>
+          </a:p>
+          <a:p>
+            <a:pPr marL="285750" indent="-285750">
+              <a:lnSpc>
+                <a:spcPct val="150000"/>
+              </a:lnSpc>
+              <a:buFont typeface="Arial" panose="020B0604020202020204" pitchFamily="34" charset="0"/>
+              <a:buChar char="•"/>
+            </a:pPr>
+            <a:r>
+              <a:rPr lang="de-CH" dirty="0" err="1"/>
+              <a:t>Lengths</a:t>
+            </a:r>
+            <a:r>
+              <a:rPr lang="de-CH" dirty="0"/>
+              <a:t>:</a:t>
+            </a:r>
           </a:p>
         </p:txBody>
       </p:sp>
@@ -10770,8 +11634,23 @@
           <a:p>
             <a:r>
               <a:rPr lang="de-CH" dirty="0"/>
-              <a:t>NLP and Text Mining – Project: Depression Classification</a:t>
-            </a:r>
+              <a:t>NLP and Text Mining – </a:t>
+            </a:r>
+            <a:r>
+              <a:rPr lang="de-DE" dirty="0"/>
+              <a:t>Project: Mental Health </a:t>
+            </a:r>
+            <a:r>
+              <a:rPr lang="de-DE" dirty="0" err="1"/>
+              <a:t>Issue</a:t>
+            </a:r>
+            <a:r>
+              <a:rPr lang="de-DE" dirty="0"/>
+              <a:t> Classification</a:t>
+            </a:r>
+          </a:p>
+          <a:p>
+            <a:endParaRPr lang="de-CH" dirty="0"/>
           </a:p>
         </p:txBody>
       </p:sp>
@@ -10803,6 +11682,296 @@
           </a:p>
         </p:txBody>
       </p:sp>
+      <p:graphicFrame>
+        <p:nvGraphicFramePr>
+          <p:cNvPr id="9" name="Tabelle 9">
+            <a:extLst>
+              <a:ext uri="{FF2B5EF4-FFF2-40B4-BE49-F238E27FC236}">
+                <a16:creationId xmlns:a16="http://schemas.microsoft.com/office/drawing/2014/main" id="{AB03A03E-AB21-2F34-D611-DCF11A454DB0}"/>
+              </a:ext>
+            </a:extLst>
+          </p:cNvPr>
+          <p:cNvGraphicFramePr>
+            <a:graphicFrameLocks noGrp="1"/>
+          </p:cNvGraphicFramePr>
+          <p:nvPr>
+            <p:extLst>
+              <p:ext uri="{D42A27DB-BD31-4B8C-83A1-F6EECF244321}">
+                <p14:modId xmlns:p14="http://schemas.microsoft.com/office/powerpoint/2010/main" val="949289135"/>
+              </p:ext>
+            </p:extLst>
+          </p:nvPr>
+        </p:nvGraphicFramePr>
+        <p:xfrm>
+          <a:off x="1835924" y="3579862"/>
+          <a:ext cx="5472152" cy="1112520"/>
+        </p:xfrm>
+        <a:graphic>
+          <a:graphicData uri="http://schemas.openxmlformats.org/drawingml/2006/table">
+            <a:tbl>
+              <a:tblPr firstRow="1" bandRow="1">
+                <a:tableStyleId>{5940675A-B579-460E-94D1-54222C63F5DA}</a:tableStyleId>
+              </a:tblPr>
+              <a:tblGrid>
+                <a:gridCol w="1368000">
+                  <a:extLst>
+                    <a:ext uri="{9D8B030D-6E8A-4147-A177-3AD203B41FA5}">
+                      <a16:colId xmlns:a16="http://schemas.microsoft.com/office/drawing/2014/main" val="3753556729"/>
+                    </a:ext>
+                  </a:extLst>
+                </a:gridCol>
+                <a:gridCol w="1368152">
+                  <a:extLst>
+                    <a:ext uri="{9D8B030D-6E8A-4147-A177-3AD203B41FA5}">
+                      <a16:colId xmlns:a16="http://schemas.microsoft.com/office/drawing/2014/main" val="767496401"/>
+                    </a:ext>
+                  </a:extLst>
+                </a:gridCol>
+                <a:gridCol w="1368000">
+                  <a:extLst>
+                    <a:ext uri="{9D8B030D-6E8A-4147-A177-3AD203B41FA5}">
+                      <a16:colId xmlns:a16="http://schemas.microsoft.com/office/drawing/2014/main" val="3282679448"/>
+                    </a:ext>
+                  </a:extLst>
+                </a:gridCol>
+                <a:gridCol w="1368000">
+                  <a:extLst>
+                    <a:ext uri="{9D8B030D-6E8A-4147-A177-3AD203B41FA5}">
+                      <a16:colId xmlns:a16="http://schemas.microsoft.com/office/drawing/2014/main" val="551471736"/>
+                    </a:ext>
+                  </a:extLst>
+                </a:gridCol>
+              </a:tblGrid>
+              <a:tr h="370840">
+                <a:tc>
+                  <a:txBody>
+                    <a:bodyPr/>
+                    <a:lstStyle/>
+                    <a:p>
+                      <a:pPr algn="ctr"/>
+                      <a:endParaRPr lang="de-CH" sz="1400" dirty="0">
+                        <a:latin typeface="Arial" panose="020B0604020202020204" pitchFamily="34" charset="0"/>
+                        <a:cs typeface="Arial" panose="020B0604020202020204" pitchFamily="34" charset="0"/>
+                      </a:endParaRPr>
+                    </a:p>
+                  </a:txBody>
+                  <a:tcPr/>
+                </a:tc>
+                <a:tc>
+                  <a:txBody>
+                    <a:bodyPr/>
+                    <a:lstStyle/>
+                    <a:p>
+                      <a:pPr algn="ctr"/>
+                      <a:r>
+                        <a:rPr lang="de-CH" sz="1400" b="1" dirty="0">
+                          <a:latin typeface="Arial" panose="020B0604020202020204" pitchFamily="34" charset="0"/>
+                          <a:cs typeface="Arial" panose="020B0604020202020204" pitchFamily="34" charset="0"/>
+                        </a:rPr>
+                        <a:t>Min</a:t>
+                      </a:r>
+                    </a:p>
+                  </a:txBody>
+                  <a:tcPr/>
+                </a:tc>
+                <a:tc>
+                  <a:txBody>
+                    <a:bodyPr/>
+                    <a:lstStyle/>
+                    <a:p>
+                      <a:pPr algn="ctr"/>
+                      <a:r>
+                        <a:rPr lang="de-CH" sz="1400" b="1" dirty="0">
+                          <a:latin typeface="Arial" panose="020B0604020202020204" pitchFamily="34" charset="0"/>
+                          <a:cs typeface="Arial" panose="020B0604020202020204" pitchFamily="34" charset="0"/>
+                        </a:rPr>
+                        <a:t>Average</a:t>
+                      </a:r>
+                    </a:p>
+                  </a:txBody>
+                  <a:tcPr/>
+                </a:tc>
+                <a:tc>
+                  <a:txBody>
+                    <a:bodyPr/>
+                    <a:lstStyle/>
+                    <a:p>
+                      <a:pPr algn="ctr"/>
+                      <a:r>
+                        <a:rPr lang="de-CH" sz="1400" b="1" dirty="0">
+                          <a:latin typeface="Arial" panose="020B0604020202020204" pitchFamily="34" charset="0"/>
+                          <a:cs typeface="Arial" panose="020B0604020202020204" pitchFamily="34" charset="0"/>
+                        </a:rPr>
+                        <a:t>Max</a:t>
+                      </a:r>
+                    </a:p>
+                  </a:txBody>
+                  <a:tcPr/>
+                </a:tc>
+                <a:extLst>
+                  <a:ext uri="{0D108BD9-81ED-4DB2-BD59-A6C34878D82A}">
+                    <a16:rowId xmlns:a16="http://schemas.microsoft.com/office/drawing/2014/main" val="2751272599"/>
+                  </a:ext>
+                </a:extLst>
+              </a:tr>
+              <a:tr h="370840">
+                <a:tc>
+                  <a:txBody>
+                    <a:bodyPr/>
+                    <a:lstStyle/>
+                    <a:p>
+                      <a:pPr algn="ctr"/>
+                      <a:r>
+                        <a:rPr lang="de-CH" sz="1400" b="1" dirty="0" err="1">
+                          <a:latin typeface="Arial" panose="020B0604020202020204" pitchFamily="34" charset="0"/>
+                          <a:cs typeface="Arial" panose="020B0604020202020204" pitchFamily="34" charset="0"/>
+                        </a:rPr>
+                        <a:t>Characters</a:t>
+                      </a:r>
+                      <a:endParaRPr lang="de-CH" sz="1400" b="1" dirty="0">
+                        <a:latin typeface="Arial" panose="020B0604020202020204" pitchFamily="34" charset="0"/>
+                        <a:cs typeface="Arial" panose="020B0604020202020204" pitchFamily="34" charset="0"/>
+                      </a:endParaRPr>
+                    </a:p>
+                  </a:txBody>
+                  <a:tcPr/>
+                </a:tc>
+                <a:tc>
+                  <a:txBody>
+                    <a:bodyPr/>
+                    <a:lstStyle/>
+                    <a:p>
+                      <a:pPr algn="ctr"/>
+                      <a:r>
+                        <a:rPr lang="de-CH" sz="1400" dirty="0">
+                          <a:latin typeface="Arial" panose="020B0604020202020204" pitchFamily="34" charset="0"/>
+                          <a:cs typeface="Arial" panose="020B0604020202020204" pitchFamily="34" charset="0"/>
+                        </a:rPr>
+                        <a:t>4</a:t>
+                      </a:r>
+                    </a:p>
+                  </a:txBody>
+                  <a:tcPr/>
+                </a:tc>
+                <a:tc>
+                  <a:txBody>
+                    <a:bodyPr/>
+                    <a:lstStyle/>
+                    <a:p>
+                      <a:pPr algn="ctr"/>
+                      <a:r>
+                        <a:rPr lang="de-CH" sz="1400" dirty="0">
+                          <a:latin typeface="Arial" panose="020B0604020202020204" pitchFamily="34" charset="0"/>
+                          <a:cs typeface="Arial" panose="020B0604020202020204" pitchFamily="34" charset="0"/>
+                        </a:rPr>
+                        <a:t>82</a:t>
+                      </a:r>
+                    </a:p>
+                  </a:txBody>
+                  <a:tcPr/>
+                </a:tc>
+                <a:tc>
+                  <a:txBody>
+                    <a:bodyPr/>
+                    <a:lstStyle/>
+                    <a:p>
+                      <a:pPr algn="ctr"/>
+                      <a:r>
+                        <a:rPr lang="de-CH" sz="1400" dirty="0">
+                          <a:latin typeface="Arial" panose="020B0604020202020204" pitchFamily="34" charset="0"/>
+                          <a:cs typeface="Arial" panose="020B0604020202020204" pitchFamily="34" charset="0"/>
+                        </a:rPr>
+                        <a:t>169</a:t>
+                      </a:r>
+                    </a:p>
+                  </a:txBody>
+                  <a:tcPr/>
+                </a:tc>
+                <a:extLst>
+                  <a:ext uri="{0D108BD9-81ED-4DB2-BD59-A6C34878D82A}">
+                    <a16:rowId xmlns:a16="http://schemas.microsoft.com/office/drawing/2014/main" val="2471934375"/>
+                  </a:ext>
+                </a:extLst>
+              </a:tr>
+              <a:tr h="370840">
+                <a:tc>
+                  <a:txBody>
+                    <a:bodyPr/>
+                    <a:lstStyle/>
+                    <a:p>
+                      <a:pPr algn="ctr"/>
+                      <a:r>
+                        <a:rPr lang="de-CH" sz="1400" b="1" dirty="0">
+                          <a:latin typeface="Arial" panose="020B0604020202020204" pitchFamily="34" charset="0"/>
+                          <a:cs typeface="Arial" panose="020B0604020202020204" pitchFamily="34" charset="0"/>
+                        </a:rPr>
+                        <a:t>Words</a:t>
+                      </a:r>
+                    </a:p>
+                  </a:txBody>
+                  <a:tcPr/>
+                </a:tc>
+                <a:tc>
+                  <a:txBody>
+                    <a:bodyPr/>
+                    <a:lstStyle/>
+                    <a:p>
+                      <a:pPr algn="ctr"/>
+                      <a:r>
+                        <a:rPr lang="de-CH" sz="1400" dirty="0">
+                          <a:latin typeface="Arial" panose="020B0604020202020204" pitchFamily="34" charset="0"/>
+                          <a:cs typeface="Arial" panose="020B0604020202020204" pitchFamily="34" charset="0"/>
+                        </a:rPr>
+                        <a:t>1</a:t>
+                      </a:r>
+                    </a:p>
+                  </a:txBody>
+                  <a:tcPr/>
+                </a:tc>
+                <a:tc>
+                  <a:txBody>
+                    <a:bodyPr/>
+                    <a:lstStyle/>
+                    <a:p>
+                      <a:pPr algn="ctr"/>
+                      <a:r>
+                        <a:rPr lang="de-CH" sz="1400" dirty="0">
+                          <a:latin typeface="Arial" panose="020B0604020202020204" pitchFamily="34" charset="0"/>
+                          <a:cs typeface="Arial" panose="020B0604020202020204" pitchFamily="34" charset="0"/>
+                        </a:rPr>
+                        <a:t>17</a:t>
+                      </a:r>
+                    </a:p>
+                  </a:txBody>
+                  <a:tcPr/>
+                </a:tc>
+                <a:tc>
+                  <a:txBody>
+                    <a:bodyPr/>
+                    <a:lstStyle/>
+                    <a:p>
+                      <a:pPr algn="ctr"/>
+                      <a:r>
+                        <a:rPr lang="de-CH" sz="1400" dirty="0">
+                          <a:latin typeface="Arial" panose="020B0604020202020204" pitchFamily="34" charset="0"/>
+                          <a:cs typeface="Arial" panose="020B0604020202020204" pitchFamily="34" charset="0"/>
+                        </a:rPr>
+                        <a:t>65</a:t>
+                      </a:r>
+                    </a:p>
+                  </a:txBody>
+                  <a:tcPr/>
+                </a:tc>
+                <a:extLst>
+                  <a:ext uri="{0D108BD9-81ED-4DB2-BD59-A6C34878D82A}">
+                    <a16:rowId xmlns:a16="http://schemas.microsoft.com/office/drawing/2014/main" val="2115923996"/>
+                  </a:ext>
+                </a:extLst>
+              </a:tr>
+            </a:tbl>
+          </a:graphicData>
+        </a:graphic>
+      </p:graphicFrame>
     </p:spTree>
     <p:extLst>
       <p:ext uri="{BB962C8B-B14F-4D97-AF65-F5344CB8AC3E}">
@@ -10947,8 +12116,23 @@
           <a:p>
             <a:r>
               <a:rPr lang="de-CH" dirty="0"/>
-              <a:t>NLP and Text Mining – Project: Depression Classification</a:t>
-            </a:r>
+              <a:t>NLP and Text Mining – </a:t>
+            </a:r>
+            <a:r>
+              <a:rPr lang="de-DE" dirty="0"/>
+              <a:t>Project: Mental Health </a:t>
+            </a:r>
+            <a:r>
+              <a:rPr lang="de-DE" dirty="0" err="1"/>
+              <a:t>Issue</a:t>
+            </a:r>
+            <a:r>
+              <a:rPr lang="de-DE" dirty="0"/>
+              <a:t> Classification</a:t>
+            </a:r>
+          </a:p>
+          <a:p>
+            <a:endParaRPr lang="de-CH" dirty="0"/>
           </a:p>
         </p:txBody>
       </p:sp>
@@ -11116,8 +12300,23 @@
           <a:p>
             <a:r>
               <a:rPr lang="de-CH" dirty="0"/>
-              <a:t>NLP and Text Mining – Project: Depression Classification</a:t>
-            </a:r>
+              <a:t>NLP and Text Mining – </a:t>
+            </a:r>
+            <a:r>
+              <a:rPr lang="de-DE" dirty="0"/>
+              <a:t>Project: Mental Health </a:t>
+            </a:r>
+            <a:r>
+              <a:rPr lang="de-DE" dirty="0" err="1"/>
+              <a:t>Issue</a:t>
+            </a:r>
+            <a:r>
+              <a:rPr lang="de-DE" dirty="0"/>
+              <a:t> Classification</a:t>
+            </a:r>
+          </a:p>
+          <a:p>
+            <a:endParaRPr lang="de-CH" dirty="0"/>
           </a:p>
         </p:txBody>
       </p:sp>
@@ -11299,8 +12498,21 @@
             </a:r>
             <a:r>
               <a:rPr lang="de-CH" dirty="0"/>
-              <a:t>.</a:t>
-            </a:r>
+              <a:t>. &amp; different </a:t>
+            </a:r>
+            <a:r>
+              <a:rPr lang="de-CH" dirty="0" err="1"/>
+              <a:t>clf</a:t>
+            </a:r>
+            <a:r>
+              <a:rPr lang="de-CH" dirty="0"/>
+              <a:t> &amp; w, w/o </a:t>
+            </a:r>
+            <a:r>
+              <a:rPr lang="de-CH" dirty="0" err="1"/>
+              <a:t>pre-processing</a:t>
+            </a:r>
+            <a:endParaRPr lang="de-CH" dirty="0"/>
           </a:p>
         </p:txBody>
       </p:sp>
@@ -11327,7 +12539,19 @@
           <a:p>
             <a:r>
               <a:rPr lang="de-CH" dirty="0"/>
-              <a:t>NLP and Text Mining – Project: Depression Classification</a:t>
+              <a:t>NLP and Text Mining – </a:t>
+            </a:r>
+            <a:r>
+              <a:rPr lang="de-DE" dirty="0"/>
+              <a:t>Project: Mental Health </a:t>
+            </a:r>
+            <a:r>
+              <a:rPr lang="de-DE" dirty="0" err="1"/>
+              <a:t>Issue</a:t>
+            </a:r>
+            <a:r>
+              <a:rPr lang="de-DE" dirty="0"/>
+              <a:t> Classification</a:t>
             </a:r>
           </a:p>
           <a:p>
@@ -11506,7 +12730,19 @@
           <a:p>
             <a:r>
               <a:rPr lang="de-CH" dirty="0"/>
-              <a:t>NLP and Text Mining – Project: Depression Classification</a:t>
+              <a:t>NLP and Text Mining – </a:t>
+            </a:r>
+            <a:r>
+              <a:rPr lang="de-DE" dirty="0"/>
+              <a:t>Project: Mental Health </a:t>
+            </a:r>
+            <a:r>
+              <a:rPr lang="de-DE" dirty="0" err="1"/>
+              <a:t>Issue</a:t>
+            </a:r>
+            <a:r>
+              <a:rPr lang="de-DE" dirty="0"/>
+              <a:t> Classification</a:t>
             </a:r>
           </a:p>
           <a:p>
@@ -11700,7 +12936,19 @@
           <a:p>
             <a:r>
               <a:rPr lang="de-CH" dirty="0"/>
-              <a:t>NLP and Text Mining – Project: Depression Classification</a:t>
+              <a:t>NLP and Text Mining – </a:t>
+            </a:r>
+            <a:r>
+              <a:rPr lang="de-DE" dirty="0"/>
+              <a:t>Project: Mental Health </a:t>
+            </a:r>
+            <a:r>
+              <a:rPr lang="de-DE" dirty="0" err="1"/>
+              <a:t>Issue</a:t>
+            </a:r>
+            <a:r>
+              <a:rPr lang="de-DE" dirty="0"/>
+              <a:t> Classification</a:t>
             </a:r>
           </a:p>
           <a:p>
@@ -11888,7 +13136,19 @@
           <a:p>
             <a:r>
               <a:rPr lang="de-CH" dirty="0"/>
-              <a:t>NLP and Text Mining – Project: Depression Classification</a:t>
+              <a:t>NLP and Text Mining – </a:t>
+            </a:r>
+            <a:r>
+              <a:rPr lang="de-DE" dirty="0"/>
+              <a:t>Project: Mental Health </a:t>
+            </a:r>
+            <a:r>
+              <a:rPr lang="de-DE" dirty="0" err="1"/>
+              <a:t>Issue</a:t>
+            </a:r>
+            <a:r>
+              <a:rPr lang="de-DE" dirty="0"/>
+              <a:t> Classification</a:t>
             </a:r>
           </a:p>
           <a:p>

--- a/Presentation.pptx
+++ b/Presentation.pptx
@@ -227,7 +227,7 @@
           <a:p>
             <a:fld id="{A70AE70C-D509-4E4B-9352-79C3D11520D1}" type="datetimeFigureOut">
               <a:rPr lang="de-DE" smtClean="0"/>
-              <a:t>08.12.2022</a:t>
+              <a:t>14.12.2022</a:t>
             </a:fld>
             <a:endParaRPr lang="de-DE"/>
           </a:p>
@@ -405,7 +405,7 @@
           <a:p>
             <a:fld id="{B77602DA-7CEE-4298-AF4B-1C87D65BAB06}" type="datetimeFigureOut">
               <a:rPr lang="de-CH" smtClean="0"/>
-              <a:t>08.12.2022</a:t>
+              <a:t>14.12.2022</a:t>
             </a:fld>
             <a:endParaRPr lang="de-CH" dirty="0"/>
           </a:p>
@@ -10123,23 +10123,7 @@
             </a:r>
             <a:r>
               <a:rPr lang="de-CH" dirty="0" err="1"/>
-              <a:t>pip</a:t>
-            </a:r>
-            <a:r>
-              <a:rPr lang="de-CH" dirty="0"/>
-              <a:t> </a:t>
-            </a:r>
-            <a:r>
-              <a:rPr lang="de-CH" dirty="0" err="1"/>
-              <a:t>install</a:t>
-            </a:r>
-            <a:r>
-              <a:rPr lang="de-CH" dirty="0"/>
-              <a:t> </a:t>
-            </a:r>
-            <a:r>
-              <a:rPr lang="de-CH" dirty="0" err="1"/>
-              <a:t>transformers</a:t>
+              <a:t>uncased</a:t>
             </a:r>
             <a:r>
               <a:rPr lang="de-CH" dirty="0"/>
@@ -10248,343 +10232,6 @@
               <a:rPr lang="de-CH" dirty="0"/>
               <a:t> BERT</a:t>
             </a:r>
-          </a:p>
-        </p:txBody>
-      </p:sp>
-      <p:pic>
-        <p:nvPicPr>
-          <p:cNvPr id="10" name="Grafik 9">
-            <a:extLst>
-              <a:ext uri="{FF2B5EF4-FFF2-40B4-BE49-F238E27FC236}">
-                <a16:creationId xmlns:a16="http://schemas.microsoft.com/office/drawing/2014/main" id="{80268FF8-6C07-BDE0-7E31-DE6E8A596FEF}"/>
-              </a:ext>
-            </a:extLst>
-          </p:cNvPr>
-          <p:cNvPicPr>
-            <a:picLocks noChangeAspect="1"/>
-          </p:cNvPicPr>
-          <p:nvPr/>
-        </p:nvPicPr>
-        <p:blipFill>
-          <a:blip r:embed="rId2">
-            <a:extLst>
-              <a:ext uri="{28A0092B-C50C-407E-A947-70E740481C1C}">
-                <a14:useLocalDpi xmlns:a14="http://schemas.microsoft.com/office/drawing/2010/main" val="0"/>
-              </a:ext>
-            </a:extLst>
-          </a:blip>
-          <a:stretch>
-            <a:fillRect/>
-          </a:stretch>
-        </p:blipFill>
-        <p:spPr>
-          <a:xfrm>
-            <a:off x="755576" y="1659600"/>
-            <a:ext cx="4833072" cy="3339884"/>
-          </a:xfrm>
-          <a:prstGeom prst="rect">
-            <a:avLst/>
-          </a:prstGeom>
-        </p:spPr>
-      </p:pic>
-      <p:pic>
-        <p:nvPicPr>
-          <p:cNvPr id="12" name="Grafik 11">
-            <a:extLst>
-              <a:ext uri="{FF2B5EF4-FFF2-40B4-BE49-F238E27FC236}">
-                <a16:creationId xmlns:a16="http://schemas.microsoft.com/office/drawing/2014/main" id="{94E7F267-F21A-11E1-ACD5-4D89E225BF18}"/>
-              </a:ext>
-            </a:extLst>
-          </p:cNvPr>
-          <p:cNvPicPr>
-            <a:picLocks noChangeAspect="1"/>
-          </p:cNvPicPr>
-          <p:nvPr/>
-        </p:nvPicPr>
-        <p:blipFill>
-          <a:blip r:embed="rId3"/>
-          <a:stretch>
-            <a:fillRect/>
-          </a:stretch>
-        </p:blipFill>
-        <p:spPr>
-          <a:xfrm>
-            <a:off x="5588648" y="1914345"/>
-            <a:ext cx="3421954" cy="1488942"/>
-          </a:xfrm>
-          <a:prstGeom prst="rect">
-            <a:avLst/>
-          </a:prstGeom>
-        </p:spPr>
-      </p:pic>
-      <p:sp>
-        <p:nvSpPr>
-          <p:cNvPr id="13" name="Textplatzhalter 3">
-            <a:extLst>
-              <a:ext uri="{FF2B5EF4-FFF2-40B4-BE49-F238E27FC236}">
-                <a16:creationId xmlns:a16="http://schemas.microsoft.com/office/drawing/2014/main" id="{783D739D-86F4-80DB-671F-8B6CFAB32329}"/>
-              </a:ext>
-            </a:extLst>
-          </p:cNvPr>
-          <p:cNvSpPr txBox="1">
-            <a:spLocks/>
-          </p:cNvSpPr>
-          <p:nvPr/>
-        </p:nvSpPr>
-        <p:spPr>
-          <a:xfrm>
-            <a:off x="5749766" y="3658032"/>
-            <a:ext cx="3358482" cy="1001950"/>
-          </a:xfrm>
-          <a:prstGeom prst="rect">
-            <a:avLst/>
-          </a:prstGeom>
-        </p:spPr>
-        <p:txBody>
-          <a:bodyPr lIns="0" tIns="0" rIns="0" bIns="0"/>
-          <a:lstStyle>
-            <a:lvl1pPr marL="0" indent="0" algn="l" defTabSz="914377" rtl="0" eaLnBrk="1" latinLnBrk="0" hangingPunct="1">
-              <a:lnSpc>
-                <a:spcPts val="2000"/>
-              </a:lnSpc>
-              <a:spcBef>
-                <a:spcPts val="0"/>
-              </a:spcBef>
-              <a:buFont typeface="Arial" panose="020B0604020202020204" pitchFamily="34" charset="0"/>
-              <a:buNone/>
-              <a:defRPr sz="1600" b="0" kern="1200">
-                <a:solidFill>
-                  <a:schemeClr val="tx1"/>
-                </a:solidFill>
-                <a:latin typeface="Arial" panose="020B0604020202020204" pitchFamily="34" charset="0"/>
-                <a:ea typeface="+mn-ea"/>
-                <a:cs typeface="Arial" panose="020B0604020202020204" pitchFamily="34" charset="0"/>
-              </a:defRPr>
-            </a:lvl1pPr>
-            <a:lvl2pPr marL="685783" indent="-228594" algn="l" defTabSz="914377" rtl="0" eaLnBrk="1" latinLnBrk="0" hangingPunct="1">
-              <a:lnSpc>
-                <a:spcPct val="90000"/>
-              </a:lnSpc>
-              <a:spcBef>
-                <a:spcPts val="500"/>
-              </a:spcBef>
-              <a:buFont typeface="Arial" panose="020B0604020202020204" pitchFamily="34" charset="0"/>
-              <a:buChar char="•"/>
-              <a:defRPr sz="2400" kern="1200">
-                <a:solidFill>
-                  <a:schemeClr val="tx1"/>
-                </a:solidFill>
-                <a:latin typeface="+mn-lt"/>
-                <a:ea typeface="+mn-ea"/>
-                <a:cs typeface="+mn-cs"/>
-              </a:defRPr>
-            </a:lvl2pPr>
-            <a:lvl3pPr marL="1142971" indent="-228594" algn="l" defTabSz="914377" rtl="0" eaLnBrk="1" latinLnBrk="0" hangingPunct="1">
-              <a:lnSpc>
-                <a:spcPct val="90000"/>
-              </a:lnSpc>
-              <a:spcBef>
-                <a:spcPts val="500"/>
-              </a:spcBef>
-              <a:buFont typeface="Arial" panose="020B0604020202020204" pitchFamily="34" charset="0"/>
-              <a:buChar char="•"/>
-              <a:defRPr sz="2000" kern="1200">
-                <a:solidFill>
-                  <a:schemeClr val="tx1"/>
-                </a:solidFill>
-                <a:latin typeface="+mn-lt"/>
-                <a:ea typeface="+mn-ea"/>
-                <a:cs typeface="+mn-cs"/>
-              </a:defRPr>
-            </a:lvl3pPr>
-            <a:lvl4pPr marL="1600160" indent="-228594" algn="l" defTabSz="914377" rtl="0" eaLnBrk="1" latinLnBrk="0" hangingPunct="1">
-              <a:lnSpc>
-                <a:spcPct val="90000"/>
-              </a:lnSpc>
-              <a:spcBef>
-                <a:spcPts val="500"/>
-              </a:spcBef>
-              <a:buFont typeface="Arial" panose="020B0604020202020204" pitchFamily="34" charset="0"/>
-              <a:buChar char="•"/>
-              <a:defRPr sz="1800" kern="1200">
-                <a:solidFill>
-                  <a:schemeClr val="tx1"/>
-                </a:solidFill>
-                <a:latin typeface="+mn-lt"/>
-                <a:ea typeface="+mn-ea"/>
-                <a:cs typeface="+mn-cs"/>
-              </a:defRPr>
-            </a:lvl4pPr>
-            <a:lvl5pPr marL="2057349" indent="-228594" algn="l" defTabSz="914377" rtl="0" eaLnBrk="1" latinLnBrk="0" hangingPunct="1">
-              <a:lnSpc>
-                <a:spcPct val="90000"/>
-              </a:lnSpc>
-              <a:spcBef>
-                <a:spcPts val="500"/>
-              </a:spcBef>
-              <a:buFont typeface="Arial" panose="020B0604020202020204" pitchFamily="34" charset="0"/>
-              <a:buChar char="•"/>
-              <a:defRPr sz="1800" kern="1200">
-                <a:solidFill>
-                  <a:schemeClr val="tx1"/>
-                </a:solidFill>
-                <a:latin typeface="+mn-lt"/>
-                <a:ea typeface="+mn-ea"/>
-                <a:cs typeface="+mn-cs"/>
-              </a:defRPr>
-            </a:lvl5pPr>
-            <a:lvl6pPr marL="2514537" indent="-228594" algn="l" defTabSz="914377" rtl="0" eaLnBrk="1" latinLnBrk="0" hangingPunct="1">
-              <a:lnSpc>
-                <a:spcPct val="90000"/>
-              </a:lnSpc>
-              <a:spcBef>
-                <a:spcPts val="500"/>
-              </a:spcBef>
-              <a:buFont typeface="Arial" panose="020B0604020202020204" pitchFamily="34" charset="0"/>
-              <a:buChar char="•"/>
-              <a:defRPr sz="1800" kern="1200">
-                <a:solidFill>
-                  <a:schemeClr val="tx1"/>
-                </a:solidFill>
-                <a:latin typeface="+mn-lt"/>
-                <a:ea typeface="+mn-ea"/>
-                <a:cs typeface="+mn-cs"/>
-              </a:defRPr>
-            </a:lvl6pPr>
-            <a:lvl7pPr marL="2971726" indent="-228594" algn="l" defTabSz="914377" rtl="0" eaLnBrk="1" latinLnBrk="0" hangingPunct="1">
-              <a:lnSpc>
-                <a:spcPct val="90000"/>
-              </a:lnSpc>
-              <a:spcBef>
-                <a:spcPts val="500"/>
-              </a:spcBef>
-              <a:buFont typeface="Arial" panose="020B0604020202020204" pitchFamily="34" charset="0"/>
-              <a:buChar char="•"/>
-              <a:defRPr sz="1800" kern="1200">
-                <a:solidFill>
-                  <a:schemeClr val="tx1"/>
-                </a:solidFill>
-                <a:latin typeface="+mn-lt"/>
-                <a:ea typeface="+mn-ea"/>
-                <a:cs typeface="+mn-cs"/>
-              </a:defRPr>
-            </a:lvl7pPr>
-            <a:lvl8pPr marL="3428914" indent="-228594" algn="l" defTabSz="914377" rtl="0" eaLnBrk="1" latinLnBrk="0" hangingPunct="1">
-              <a:lnSpc>
-                <a:spcPct val="90000"/>
-              </a:lnSpc>
-              <a:spcBef>
-                <a:spcPts val="500"/>
-              </a:spcBef>
-              <a:buFont typeface="Arial" panose="020B0604020202020204" pitchFamily="34" charset="0"/>
-              <a:buChar char="•"/>
-              <a:defRPr sz="1800" kern="1200">
-                <a:solidFill>
-                  <a:schemeClr val="tx1"/>
-                </a:solidFill>
-                <a:latin typeface="+mn-lt"/>
-                <a:ea typeface="+mn-ea"/>
-                <a:cs typeface="+mn-cs"/>
-              </a:defRPr>
-            </a:lvl8pPr>
-            <a:lvl9pPr marL="3886103" indent="-228594" algn="l" defTabSz="914377" rtl="0" eaLnBrk="1" latinLnBrk="0" hangingPunct="1">
-              <a:lnSpc>
-                <a:spcPct val="90000"/>
-              </a:lnSpc>
-              <a:spcBef>
-                <a:spcPts val="500"/>
-              </a:spcBef>
-              <a:buFont typeface="Arial" panose="020B0604020202020204" pitchFamily="34" charset="0"/>
-              <a:buChar char="•"/>
-              <a:defRPr sz="1800" kern="1200">
-                <a:solidFill>
-                  <a:schemeClr val="tx1"/>
-                </a:solidFill>
-                <a:latin typeface="+mn-lt"/>
-                <a:ea typeface="+mn-ea"/>
-                <a:cs typeface="+mn-cs"/>
-              </a:defRPr>
-            </a:lvl9pPr>
-          </a:lstStyle>
-          <a:p>
-            <a:pPr>
-              <a:lnSpc>
-                <a:spcPct val="100000"/>
-              </a:lnSpc>
-            </a:pPr>
-            <a:r>
-              <a:rPr lang="de-CH" dirty="0" err="1"/>
-              <a:t>Improvement</a:t>
-            </a:r>
-            <a:r>
-              <a:rPr lang="de-CH" dirty="0"/>
-              <a:t> </a:t>
-            </a:r>
-            <a:r>
-              <a:rPr lang="de-CH" dirty="0" err="1"/>
-              <a:t>of</a:t>
-            </a:r>
-            <a:r>
-              <a:rPr lang="de-CH" dirty="0"/>
-              <a:t> 3.0% in </a:t>
-            </a:r>
-            <a:r>
-              <a:rPr lang="de-CH" dirty="0" err="1"/>
-              <a:t>accuracy</a:t>
-            </a:r>
-            <a:r>
-              <a:rPr lang="de-CH" dirty="0"/>
-              <a:t> </a:t>
-            </a:r>
-            <a:r>
-              <a:rPr lang="de-CH" dirty="0" err="1"/>
-              <a:t>compared</a:t>
-            </a:r>
-            <a:r>
-              <a:rPr lang="de-CH" dirty="0"/>
-              <a:t> to Naive-Bayes </a:t>
-            </a:r>
-            <a:r>
-              <a:rPr lang="de-CH" dirty="0" err="1"/>
-              <a:t>classifier</a:t>
-            </a:r>
-            <a:r>
-              <a:rPr lang="de-CH" dirty="0"/>
-              <a:t>,</a:t>
-            </a:r>
-          </a:p>
-          <a:p>
-            <a:pPr>
-              <a:lnSpc>
-                <a:spcPct val="100000"/>
-              </a:lnSpc>
-            </a:pPr>
-            <a:r>
-              <a:rPr lang="de-CH" dirty="0"/>
-              <a:t>but </a:t>
-            </a:r>
-            <a:r>
-              <a:rPr lang="de-CH" dirty="0" err="1"/>
-              <a:t>computationally</a:t>
-            </a:r>
-            <a:r>
-              <a:rPr lang="de-CH" dirty="0"/>
-              <a:t> expensive</a:t>
-            </a:r>
-          </a:p>
-          <a:p>
-            <a:pPr>
-              <a:lnSpc>
-                <a:spcPct val="100000"/>
-              </a:lnSpc>
-            </a:pPr>
-            <a:r>
-              <a:rPr lang="de-CH" dirty="0">
-                <a:sym typeface="Wingdings" panose="05000000000000000000" pitchFamily="2" charset="2"/>
-              </a:rPr>
-              <a:t> Trade-off</a:t>
-            </a:r>
-            <a:endParaRPr lang="de-CH" dirty="0"/>
           </a:p>
         </p:txBody>
       </p:sp>
@@ -10610,6 +10257,9 @@
                     <p:cTn id="3" fill="hold">
                       <p:stCondLst>
                         <p:cond delay="indefinite"/>
+                        <p:cond evt="onBegin" delay="0">
+                          <p:tn val="2"/>
+                        </p:cond>
                       </p:stCondLst>
                       <p:childTnLst>
                         <p:par>
@@ -10619,84 +10269,14 @@
                             </p:stCondLst>
                             <p:childTnLst>
                               <p:par>
-                                <p:cTn id="5" presetID="10" presetClass="entr" presetSubtype="0" fill="hold" nodeType="clickEffect">
-                                  <p:stCondLst>
-                                    <p:cond delay="0"/>
-                                  </p:stCondLst>
-                                  <p:childTnLst>
-                                    <p:set>
-                                      <p:cBhvr>
-                                        <p:cTn id="6" dur="1" fill="hold">
-                                          <p:stCondLst>
-                                            <p:cond delay="0"/>
-                                          </p:stCondLst>
-                                        </p:cTn>
-                                        <p:tgtEl>
-                                          <p:spTgt spid="10"/>
-                                        </p:tgtEl>
-                                        <p:attrNameLst>
-                                          <p:attrName>style.visibility</p:attrName>
-                                        </p:attrNameLst>
-                                      </p:cBhvr>
-                                      <p:to>
-                                        <p:strVal val="visible"/>
-                                      </p:to>
-                                    </p:set>
-                                    <p:animEffect transition="in" filter="fade">
-                                      <p:cBhvr>
-                                        <p:cTn id="7" dur="500"/>
-                                        <p:tgtEl>
-                                          <p:spTgt spid="10"/>
-                                        </p:tgtEl>
-                                      </p:cBhvr>
-                                    </p:animEffect>
-                                  </p:childTnLst>
-                                </p:cTn>
-                              </p:par>
-                              <p:par>
-                                <p:cTn id="8" presetID="10" presetClass="entr" presetSubtype="0" fill="hold" nodeType="withEffect">
-                                  <p:stCondLst>
-                                    <p:cond delay="0"/>
-                                  </p:stCondLst>
-                                  <p:childTnLst>
-                                    <p:set>
-                                      <p:cBhvr>
-                                        <p:cTn id="9" dur="1" fill="hold">
-                                          <p:stCondLst>
-                                            <p:cond delay="0"/>
-                                          </p:stCondLst>
-                                        </p:cTn>
-                                        <p:tgtEl>
-                                          <p:spTgt spid="12"/>
-                                        </p:tgtEl>
-                                        <p:attrNameLst>
-                                          <p:attrName>style.visibility</p:attrName>
-                                        </p:attrNameLst>
-                                      </p:cBhvr>
-                                      <p:to>
-                                        <p:strVal val="visible"/>
-                                      </p:to>
-                                    </p:set>
-                                    <p:animEffect transition="in" filter="fade">
-                                      <p:cBhvr>
-                                        <p:cTn id="10" dur="500"/>
-                                        <p:tgtEl>
-                                          <p:spTgt spid="12"/>
-                                        </p:tgtEl>
-                                      </p:cBhvr>
-                                    </p:animEffect>
-                                  </p:childTnLst>
-                                </p:cTn>
-                              </p:par>
-                              <p:par>
-                                <p:cTn id="11" presetID="10" presetClass="exit" presetSubtype="0" fill="hold" grpId="0" nodeType="withEffect">
+                                <p:cTn id="5" presetID="10" presetClass="exit" presetSubtype="0" fill="hold" grpId="0" nodeType="withEffect">
                                   <p:stCondLst>
                                     <p:cond delay="0"/>
                                   </p:stCondLst>
                                   <p:childTnLst>
                                     <p:animEffect transition="out" filter="fade">
                                       <p:cBhvr>
-                                        <p:cTn id="12" dur="250"/>
+                                        <p:cTn id="6" dur="250"/>
                                         <p:tgtEl>
                                           <p:spTgt spid="4">
                                             <p:txEl>
@@ -10708,7 +10288,7 @@
                                     </p:animEffect>
                                     <p:set>
                                       <p:cBhvr>
-                                        <p:cTn id="13" dur="1" fill="hold">
+                                        <p:cTn id="7" dur="1" fill="hold">
                                           <p:stCondLst>
                                             <p:cond delay="249"/>
                                           </p:stCondLst>
@@ -10732,14 +10312,14 @@
                                 </p:cTn>
                               </p:par>
                               <p:par>
-                                <p:cTn id="14" presetID="10" presetClass="exit" presetSubtype="0" fill="hold" grpId="0" nodeType="withEffect">
+                                <p:cTn id="8" presetID="10" presetClass="exit" presetSubtype="0" fill="hold" grpId="0" nodeType="withEffect">
                                   <p:stCondLst>
                                     <p:cond delay="0"/>
                                   </p:stCondLst>
                                   <p:childTnLst>
                                     <p:animEffect transition="out" filter="fade">
                                       <p:cBhvr>
-                                        <p:cTn id="15" dur="250"/>
+                                        <p:cTn id="9" dur="250"/>
                                         <p:tgtEl>
                                           <p:spTgt spid="4">
                                             <p:txEl>
@@ -10751,7 +10331,7 @@
                                     </p:animEffect>
                                     <p:set>
                                       <p:cBhvr>
-                                        <p:cTn id="16" dur="1" fill="hold">
+                                        <p:cTn id="10" dur="1" fill="hold">
                                           <p:stCondLst>
                                             <p:cond delay="249"/>
                                           </p:stCondLst>
@@ -10771,41 +10351,6 @@
                                         <p:strVal val="hidden"/>
                                       </p:to>
                                     </p:set>
-                                  </p:childTnLst>
-                                </p:cTn>
-                              </p:par>
-                              <p:par>
-                                <p:cTn id="17" presetID="10" presetClass="entr" presetSubtype="0" fill="hold" grpId="0" nodeType="withEffect">
-                                  <p:stCondLst>
-                                    <p:cond delay="0"/>
-                                  </p:stCondLst>
-                                  <p:childTnLst>
-                                    <p:set>
-                                      <p:cBhvr>
-                                        <p:cTn id="18" dur="1" fill="hold">
-                                          <p:stCondLst>
-                                            <p:cond delay="0"/>
-                                          </p:stCondLst>
-                                        </p:cTn>
-                                        <p:tgtEl>
-                                          <p:spTgt spid="13"/>
-                                        </p:tgtEl>
-                                        <p:attrNameLst>
-                                          <p:attrName>style.visibility</p:attrName>
-                                        </p:attrNameLst>
-                                      </p:cBhvr>
-                                      <p:to>
-                                        <p:strVal val="visible"/>
-                                      </p:to>
-                                    </p:set>
-                                    <p:animEffect transition="in" filter="fade">
-                                      <p:cBhvr>
-                                        <p:cTn id="19" dur="500"/>
-                                        <p:tgtEl>
-                                          <p:spTgt spid="13"/>
-                                        </p:tgtEl>
-                                      </p:cBhvr>
-                                    </p:animEffect>
                                   </p:childTnLst>
                                 </p:cTn>
                               </p:par>
@@ -10838,7 +10383,6 @@
     </p:tnLst>
     <p:bldLst>
       <p:bldP spid="4" grpId="0" build="p"/>
-      <p:bldP spid="13" grpId="0"/>
     </p:bldLst>
   </p:timing>
 </p:sld>
@@ -11387,7 +10931,7 @@
         </p:nvSpPr>
         <p:spPr>
           <a:xfrm>
-            <a:off x="540000" y="1937082"/>
+            <a:off x="540000" y="1923678"/>
             <a:ext cx="8136456" cy="2630298"/>
           </a:xfrm>
         </p:spPr>
@@ -11435,7 +10979,7 @@
             </a:r>
             <a:r>
               <a:rPr lang="de-CH" dirty="0"/>
-              <a:t> 72 </a:t>
+              <a:t> (only) 72 </a:t>
             </a:r>
             <a:r>
               <a:rPr lang="de-CH" dirty="0" err="1"/>
@@ -11457,7 +11001,7 @@
               <a:rPr lang="de-CH" dirty="0">
                 <a:sym typeface="Wingdings" panose="05000000000000000000" pitchFamily="2" charset="2"/>
               </a:rPr>
-              <a:t> non-</a:t>
+              <a:t>= non-</a:t>
             </a:r>
             <a:r>
               <a:rPr lang="de-CH" dirty="0" err="1">
@@ -11469,7 +11013,7 @@
               <a:rPr lang="de-CH" dirty="0">
                 <a:sym typeface="Wingdings" panose="05000000000000000000" pitchFamily="2" charset="2"/>
               </a:rPr>
-              <a:t>, 1  </a:t>
+              <a:t>, 1 = </a:t>
             </a:r>
             <a:r>
               <a:rPr lang="de-CH" dirty="0" err="1">
@@ -11482,6 +11026,107 @@
                 <a:sym typeface="Wingdings" panose="05000000000000000000" pitchFamily="2" charset="2"/>
               </a:rPr>
               <a:t>)</a:t>
+            </a:r>
+            <a:br>
+              <a:rPr lang="de-CH" dirty="0">
+                <a:sym typeface="Wingdings" panose="05000000000000000000" pitchFamily="2" charset="2"/>
+              </a:rPr>
+            </a:br>
+            <a:r>
+              <a:rPr lang="de-CH" dirty="0">
+                <a:sym typeface="Wingdings" panose="05000000000000000000" pitchFamily="2" charset="2"/>
+              </a:rPr>
+              <a:t> possible </a:t>
+            </a:r>
+            <a:r>
+              <a:rPr lang="de-CH" dirty="0" err="1">
+                <a:sym typeface="Wingdings" panose="05000000000000000000" pitchFamily="2" charset="2"/>
+              </a:rPr>
+              <a:t>problem</a:t>
+            </a:r>
+            <a:r>
+              <a:rPr lang="de-CH" dirty="0">
+                <a:sym typeface="Wingdings" panose="05000000000000000000" pitchFamily="2" charset="2"/>
+              </a:rPr>
+              <a:t>: Model could </a:t>
+            </a:r>
+            <a:r>
+              <a:rPr lang="de-CH" dirty="0" err="1">
+                <a:sym typeface="Wingdings" panose="05000000000000000000" pitchFamily="2" charset="2"/>
+              </a:rPr>
+              <a:t>learn</a:t>
+            </a:r>
+            <a:r>
+              <a:rPr lang="de-CH" dirty="0">
+                <a:sym typeface="Wingdings" panose="05000000000000000000" pitchFamily="2" charset="2"/>
+              </a:rPr>
+              <a:t> to </a:t>
+            </a:r>
+            <a:r>
+              <a:rPr lang="de-CH" dirty="0" err="1">
+                <a:sym typeface="Wingdings" panose="05000000000000000000" pitchFamily="2" charset="2"/>
+              </a:rPr>
+              <a:t>classify</a:t>
+            </a:r>
+            <a:r>
+              <a:rPr lang="de-CH" dirty="0">
+                <a:sym typeface="Wingdings" panose="05000000000000000000" pitchFamily="2" charset="2"/>
+              </a:rPr>
+              <a:t> </a:t>
+            </a:r>
+            <a:r>
+              <a:rPr lang="de-CH" dirty="0" err="1">
+                <a:sym typeface="Wingdings" panose="05000000000000000000" pitchFamily="2" charset="2"/>
+              </a:rPr>
+              <a:t>users</a:t>
+            </a:r>
+            <a:r>
+              <a:rPr lang="de-CH" dirty="0">
+                <a:sym typeface="Wingdings" panose="05000000000000000000" pitchFamily="2" charset="2"/>
+              </a:rPr>
+              <a:t> </a:t>
+            </a:r>
+            <a:r>
+              <a:rPr lang="de-CH" dirty="0" err="1">
+                <a:sym typeface="Wingdings" panose="05000000000000000000" pitchFamily="2" charset="2"/>
+              </a:rPr>
+              <a:t>based</a:t>
+            </a:r>
+            <a:r>
+              <a:rPr lang="de-CH" dirty="0">
+                <a:sym typeface="Wingdings" panose="05000000000000000000" pitchFamily="2" charset="2"/>
+              </a:rPr>
+              <a:t> on </a:t>
+            </a:r>
+            <a:r>
+              <a:rPr lang="de-CH" dirty="0" err="1">
+                <a:sym typeface="Wingdings" panose="05000000000000000000" pitchFamily="2" charset="2"/>
+              </a:rPr>
+              <a:t>their</a:t>
+            </a:r>
+            <a:r>
+              <a:rPr lang="de-CH" dirty="0">
+                <a:sym typeface="Wingdings" panose="05000000000000000000" pitchFamily="2" charset="2"/>
+              </a:rPr>
+              <a:t> style </a:t>
+            </a:r>
+            <a:r>
+              <a:rPr lang="de-CH" dirty="0" err="1">
+                <a:sym typeface="Wingdings" panose="05000000000000000000" pitchFamily="2" charset="2"/>
+              </a:rPr>
+              <a:t>of</a:t>
+            </a:r>
+            <a:r>
+              <a:rPr lang="de-CH" dirty="0">
+                <a:sym typeface="Wingdings" panose="05000000000000000000" pitchFamily="2" charset="2"/>
+              </a:rPr>
+              <a:t> </a:t>
+            </a:r>
+            <a:r>
+              <a:rPr lang="de-CH" dirty="0" err="1">
+                <a:sym typeface="Wingdings" panose="05000000000000000000" pitchFamily="2" charset="2"/>
+              </a:rPr>
+              <a:t>writing</a:t>
             </a:r>
             <a:endParaRPr lang="de-CH" dirty="0"/>
           </a:p>
@@ -11697,13 +11342,13 @@
           <p:nvPr>
             <p:extLst>
               <p:ext uri="{D42A27DB-BD31-4B8C-83A1-F6EECF244321}">
-                <p14:modId xmlns:p14="http://schemas.microsoft.com/office/powerpoint/2010/main" val="949289135"/>
+                <p14:modId xmlns:p14="http://schemas.microsoft.com/office/powerpoint/2010/main" val="1937707476"/>
               </p:ext>
             </p:extLst>
           </p:nvPr>
         </p:nvGraphicFramePr>
         <p:xfrm>
-          <a:off x="1835924" y="3579862"/>
+          <a:off x="1835924" y="3811573"/>
           <a:ext cx="5472152" cy="1112520"/>
         </p:xfrm>
         <a:graphic>
